--- a/Grades Prediction/or568.pptx
+++ b/Grades Prediction/or568.pptx
@@ -119,6 +119,22 @@
       </a:defRPr>
     </a:lvl9pPr>
   </p:defaultTextStyle>
+  <p:extLst>
+    <p:ext uri="{EFAFB233-063F-42B5-8137-9DF3F51BA10A}">
+      <p15:sldGuideLst xmlns:p15="http://schemas.microsoft.com/office/powerpoint/2012/main">
+        <p15:guide id="1" orient="horz" pos="2160">
+          <p15:clr>
+            <a:srgbClr val="A4A3A4"/>
+          </p15:clr>
+        </p15:guide>
+        <p15:guide id="2" pos="2880">
+          <p15:clr>
+            <a:srgbClr val="A4A3A4"/>
+          </p15:clr>
+        </p15:guide>
+      </p15:sldGuideLst>
+    </p:ext>
+  </p:extLst>
 </p:presentation>
 </file>
 
@@ -157,7 +173,7 @@
             <a:fld id="{8ACDB3CC-F982-40F9-8DD6-BCC9AFBF44BD}" type="datetime1">
               <a:rPr lang="en-US" smtClean="0"/>
               <a:pPr/>
-              <a:t>5/4/17</a:t>
+              <a:t>2/13/18</a:t>
             </a:fld>
             <a:endParaRPr lang="en-US" dirty="0"/>
           </a:p>
@@ -914,7 +930,7 @@
           <a:p>
             <a:fld id="{D85AC8A2-C63C-49A4-89E9-2E4420D2ECA8}" type="datetimeFigureOut">
               <a:rPr lang="en-US" smtClean="0"/>
-              <a:t>5/4/17</a:t>
+              <a:t>2/13/18</a:t>
             </a:fld>
             <a:endParaRPr lang="en-US"/>
           </a:p>
@@ -1539,7 +1555,7 @@
           <a:p>
             <a:fld id="{D85AC8A2-C63C-49A4-89E9-2E4420D2ECA8}" type="datetimeFigureOut">
               <a:rPr lang="en-US" smtClean="0"/>
-              <a:t>5/4/17</a:t>
+              <a:t>2/13/18</a:t>
             </a:fld>
             <a:endParaRPr lang="en-US"/>
           </a:p>
@@ -1962,7 +1978,7 @@
           <a:p>
             <a:fld id="{D85AC8A2-C63C-49A4-89E9-2E4420D2ECA8}" type="datetimeFigureOut">
               <a:rPr lang="en-US" smtClean="0"/>
-              <a:t>5/4/17</a:t>
+              <a:t>2/13/18</a:t>
             </a:fld>
             <a:endParaRPr lang="en-US"/>
           </a:p>
@@ -2139,7 +2155,7 @@
           <a:p>
             <a:fld id="{D85AC8A2-C63C-49A4-89E9-2E4420D2ECA8}" type="datetimeFigureOut">
               <a:rPr lang="en-US" smtClean="0"/>
-              <a:t>5/4/17</a:t>
+              <a:t>2/13/18</a:t>
             </a:fld>
             <a:endParaRPr lang="en-US"/>
           </a:p>
@@ -2956,7 +2972,7 @@
           <a:p>
             <a:fld id="{D85AC8A2-C63C-49A4-89E9-2E4420D2ECA8}" type="datetimeFigureOut">
               <a:rPr lang="en-US" smtClean="0"/>
-              <a:t>5/4/17</a:t>
+              <a:t>2/13/18</a:t>
             </a:fld>
             <a:endParaRPr lang="en-US"/>
           </a:p>
@@ -3467,7 +3483,7 @@
           <a:p>
             <a:fld id="{D85AC8A2-C63C-49A4-89E9-2E4420D2ECA8}" type="datetimeFigureOut">
               <a:rPr lang="en-US" smtClean="0"/>
-              <a:t>5/4/17</a:t>
+              <a:t>2/13/18</a:t>
             </a:fld>
             <a:endParaRPr lang="en-US"/>
           </a:p>
@@ -3700,7 +3716,7 @@
           <a:p>
             <a:fld id="{D85AC8A2-C63C-49A4-89E9-2E4420D2ECA8}" type="datetimeFigureOut">
               <a:rPr lang="en-US" smtClean="0"/>
-              <a:t>5/4/17</a:t>
+              <a:t>2/13/18</a:t>
             </a:fld>
             <a:endParaRPr lang="en-US"/>
           </a:p>
@@ -4225,7 +4241,7 @@
           <a:p>
             <a:fld id="{D85AC8A2-C63C-49A4-89E9-2E4420D2ECA8}" type="datetimeFigureOut">
               <a:rPr lang="en-US" smtClean="0"/>
-              <a:t>5/4/17</a:t>
+              <a:t>2/13/18</a:t>
             </a:fld>
             <a:endParaRPr lang="en-US"/>
           </a:p>
@@ -4360,7 +4376,7 @@
           <a:p>
             <a:fld id="{D85AC8A2-C63C-49A4-89E9-2E4420D2ECA8}" type="datetimeFigureOut">
               <a:rPr lang="en-US" smtClean="0"/>
-              <a:t>5/4/17</a:t>
+              <a:t>2/13/18</a:t>
             </a:fld>
             <a:endParaRPr lang="en-US"/>
           </a:p>
@@ -5259,7 +5275,7 @@
             <a:fld id="{64DDAE5B-B07C-441A-8026-C23A427A74DC}" type="datetime1">
               <a:rPr lang="en-US" smtClean="0"/>
               <a:pPr/>
-              <a:t>5/4/17</a:t>
+              <a:t>2/13/18</a:t>
             </a:fld>
             <a:endParaRPr lang="en-US"/>
           </a:p>
@@ -5383,7 +5399,7 @@
           <a:p>
             <a:fld id="{D85AC8A2-C63C-49A4-89E9-2E4420D2ECA8}" type="datetimeFigureOut">
               <a:rPr lang="en-US" smtClean="0"/>
-              <a:t>5/4/17</a:t>
+              <a:t>2/13/18</a:t>
             </a:fld>
             <a:endParaRPr lang="en-US"/>
           </a:p>
@@ -6267,7 +6283,7 @@
           <a:p>
             <a:fld id="{D85AC8A2-C63C-49A4-89E9-2E4420D2ECA8}" type="datetimeFigureOut">
               <a:rPr lang="en-US" smtClean="0"/>
-              <a:t>5/4/17</a:t>
+              <a:t>2/13/18</a:t>
             </a:fld>
             <a:endParaRPr lang="en-US"/>
           </a:p>
@@ -6915,7 +6931,7 @@
           <a:p>
             <a:fld id="{D85AC8A2-C63C-49A4-89E9-2E4420D2ECA8}" type="datetimeFigureOut">
               <a:rPr lang="en-US" smtClean="0"/>
-              <a:t>5/4/17</a:t>
+              <a:t>2/13/18</a:t>
             </a:fld>
             <a:endParaRPr lang="en-US"/>
           </a:p>
@@ -7231,7 +7247,7 @@
           <a:p>
             <a:fld id="{D85AC8A2-C63C-49A4-89E9-2E4420D2ECA8}" type="datetimeFigureOut">
               <a:rPr lang="en-US" smtClean="0"/>
-              <a:t>5/4/17</a:t>
+              <a:t>2/13/18</a:t>
             </a:fld>
             <a:endParaRPr lang="en-US"/>
           </a:p>
@@ -7321,7 +7337,7 @@
           <a:p>
             <a:fld id="{D85AC8A2-C63C-49A4-89E9-2E4420D2ECA8}" type="datetimeFigureOut">
               <a:rPr lang="en-US" smtClean="0"/>
-              <a:t>5/4/17</a:t>
+              <a:t>2/13/18</a:t>
             </a:fld>
             <a:endParaRPr lang="en-US"/>
           </a:p>
@@ -7649,7 +7665,7 @@
           <a:p>
             <a:fld id="{D85AC8A2-C63C-49A4-89E9-2E4420D2ECA8}" type="datetimeFigureOut">
               <a:rPr lang="en-US" smtClean="0"/>
-              <a:t>5/4/17</a:t>
+              <a:t>2/13/18</a:t>
             </a:fld>
             <a:endParaRPr lang="en-US"/>
           </a:p>
@@ -8292,7 +8308,7 @@
           <a:p>
             <a:pPr algn="ctr"/>
             <a:r>
-              <a:rPr lang="en-US" sz="2400" dirty="0" err="1" smtClean="0">
+              <a:rPr lang="en-US" sz="2400" err="1" smtClean="0">
                 <a:solidFill>
                   <a:schemeClr val="tx2">
                     <a:lumMod val="60000"/>
@@ -8303,7 +8319,7 @@
               <a:t>Rajat</a:t>
             </a:r>
             <a:r>
-              <a:rPr lang="en-US" sz="2400" dirty="0" smtClean="0">
+              <a:rPr lang="en-US" sz="2400" smtClean="0">
                 <a:solidFill>
                   <a:schemeClr val="tx2">
                     <a:lumMod val="60000"/>
@@ -8314,7 +8330,7 @@
               <a:t> </a:t>
             </a:r>
             <a:r>
-              <a:rPr lang="en-US" sz="2400" dirty="0" err="1" smtClean="0">
+              <a:rPr lang="en-US" sz="2400" smtClean="0">
                 <a:solidFill>
                   <a:schemeClr val="tx2">
                     <a:lumMod val="60000"/>
@@ -8325,50 +8341,6 @@
               <a:t>Handa</a:t>
             </a:r>
             <a:endParaRPr lang="en-US" sz="2400" dirty="0" smtClean="0">
-              <a:solidFill>
-                <a:schemeClr val="tx2">
-                  <a:lumMod val="60000"/>
-                  <a:lumOff val="40000"/>
-                </a:schemeClr>
-              </a:solidFill>
-            </a:endParaRPr>
-          </a:p>
-          <a:p>
-            <a:pPr algn="ctr"/>
-            <a:r>
-              <a:rPr lang="en-US" sz="2400" dirty="0" err="1" smtClean="0">
-                <a:solidFill>
-                  <a:schemeClr val="tx2">
-                    <a:lumMod val="60000"/>
-                    <a:lumOff val="40000"/>
-                  </a:schemeClr>
-                </a:solidFill>
-              </a:rPr>
-              <a:t>Abhishek</a:t>
-            </a:r>
-            <a:r>
-              <a:rPr lang="en-US" sz="2400" dirty="0" smtClean="0">
-                <a:solidFill>
-                  <a:schemeClr val="tx2">
-                    <a:lumMod val="60000"/>
-                    <a:lumOff val="40000"/>
-                  </a:schemeClr>
-                </a:solidFill>
-              </a:rPr>
-              <a:t> </a:t>
-            </a:r>
-            <a:r>
-              <a:rPr lang="en-US" sz="2400" dirty="0" err="1" smtClean="0">
-                <a:solidFill>
-                  <a:schemeClr val="tx2">
-                    <a:lumMod val="60000"/>
-                    <a:lumOff val="40000"/>
-                  </a:schemeClr>
-                </a:solidFill>
-              </a:rPr>
-              <a:t>Misra</a:t>
-            </a:r>
-            <a:endParaRPr lang="en-US" sz="2400" dirty="0">
               <a:solidFill>
                 <a:schemeClr val="tx2">
                   <a:lumMod val="60000"/>
@@ -8419,18 +8391,18 @@
   <p:clrMapOvr>
     <a:masterClrMapping/>
   </p:clrMapOvr>
-  <mc:AlternateContent xmlns:mc="http://schemas.openxmlformats.org/markup-compatibility/2006">
-    <mc:Choice xmlns:p14="http://schemas.microsoft.com/office/powerpoint/2010/main" Requires="p14">
+  <mc:AlternateContent xmlns:mc="http://schemas.openxmlformats.org/markup-compatibility/2006" xmlns:p14="http://schemas.microsoft.com/office/powerpoint/2010/main">
+    <mc:Choice Requires="p14">
       <p:transition spd="slow" p14:dur="2000"/>
     </mc:Choice>
-    <mc:Fallback>
+    <mc:Fallback xmlns="">
       <p:transition xmlns:p14="http://schemas.microsoft.com/office/powerpoint/2010/main" spd="slow"/>
     </mc:Fallback>
   </mc:AlternateContent>
   <p:timing>
     <p:tnLst>
       <p:par>
-        <p:cTn xmlns:p14="http://schemas.microsoft.com/office/powerpoint/2010/main" id="1" dur="indefinite" restart="never" nodeType="tmRoot"/>
+        <p:cTn id="1" dur="indefinite" restart="never" nodeType="tmRoot"/>
       </p:par>
     </p:tnLst>
   </p:timing>
@@ -8522,7 +8494,7 @@
   <p:timing>
     <p:tnLst>
       <p:par>
-        <p:cTn xmlns:p14="http://schemas.microsoft.com/office/powerpoint/2010/main" id="1" dur="indefinite" restart="never" nodeType="tmRoot"/>
+        <p:cTn id="1" dur="indefinite" restart="never" nodeType="tmRoot"/>
       </p:par>
     </p:tnLst>
   </p:timing>
@@ -8614,7 +8586,7 @@
   <p:timing>
     <p:tnLst>
       <p:par>
-        <p:cTn xmlns:p14="http://schemas.microsoft.com/office/powerpoint/2010/main" id="1" dur="indefinite" restart="never" nodeType="tmRoot"/>
+        <p:cTn id="1" dur="indefinite" restart="never" nodeType="tmRoot"/>
       </p:par>
     </p:tnLst>
   </p:timing>
@@ -8735,18 +8707,18 @@
   <p:clrMapOvr>
     <a:masterClrMapping/>
   </p:clrMapOvr>
-  <mc:AlternateContent xmlns:mc="http://schemas.openxmlformats.org/markup-compatibility/2006">
-    <mc:Choice xmlns:p14="http://schemas.microsoft.com/office/powerpoint/2010/main" Requires="p14">
+  <mc:AlternateContent xmlns:mc="http://schemas.openxmlformats.org/markup-compatibility/2006" xmlns:p14="http://schemas.microsoft.com/office/powerpoint/2010/main">
+    <mc:Choice Requires="p14">
       <p:transition spd="slow" p14:dur="2000"/>
     </mc:Choice>
-    <mc:Fallback>
+    <mc:Fallback xmlns="">
       <p:transition xmlns:p14="http://schemas.microsoft.com/office/powerpoint/2010/main" spd="slow"/>
     </mc:Fallback>
   </mc:AlternateContent>
   <p:timing>
     <p:tnLst>
       <p:par>
-        <p:cTn xmlns:p14="http://schemas.microsoft.com/office/powerpoint/2010/main" id="1" dur="indefinite" restart="never" nodeType="tmRoot"/>
+        <p:cTn id="1" dur="indefinite" restart="never" nodeType="tmRoot"/>
       </p:par>
     </p:tnLst>
   </p:timing>
@@ -8834,7 +8806,7 @@
   <p:timing>
     <p:tnLst>
       <p:par>
-        <p:cTn xmlns:p14="http://schemas.microsoft.com/office/powerpoint/2010/main" id="1" dur="indefinite" restart="never" nodeType="tmRoot"/>
+        <p:cTn id="1" dur="indefinite" restart="never" nodeType="tmRoot"/>
       </p:par>
     </p:tnLst>
   </p:timing>
@@ -8922,7 +8894,7 @@
   <p:timing>
     <p:tnLst>
       <p:par>
-        <p:cTn xmlns:p14="http://schemas.microsoft.com/office/powerpoint/2010/main" id="1" dur="indefinite" restart="never" nodeType="tmRoot"/>
+        <p:cTn id="1" dur="indefinite" restart="never" nodeType="tmRoot"/>
       </p:par>
     </p:tnLst>
   </p:timing>
@@ -9231,7 +9203,7 @@
   <p:timing>
     <p:tnLst>
       <p:par>
-        <p:cTn xmlns:p14="http://schemas.microsoft.com/office/powerpoint/2010/main" id="1" dur="indefinite" restart="never" nodeType="tmRoot"/>
+        <p:cTn id="1" dur="indefinite" restart="never" nodeType="tmRoot"/>
       </p:par>
     </p:tnLst>
   </p:timing>
@@ -9454,7 +9426,7 @@
   <p:timing>
     <p:tnLst>
       <p:par>
-        <p:cTn xmlns:p14="http://schemas.microsoft.com/office/powerpoint/2010/main" id="1" dur="indefinite" restart="never" nodeType="tmRoot">
+        <p:cTn id="1" dur="indefinite" restart="never" nodeType="tmRoot">
           <p:childTnLst>
             <p:seq concurrent="1" nextAc="seek">
               <p:cTn id="2" dur="indefinite" nodeType="mainSeq">
@@ -9863,18 +9835,18 @@
   <p:clrMapOvr>
     <a:masterClrMapping/>
   </p:clrMapOvr>
-  <mc:AlternateContent xmlns:mc="http://schemas.openxmlformats.org/markup-compatibility/2006">
-    <mc:Choice xmlns:p14="http://schemas.microsoft.com/office/powerpoint/2010/main" Requires="p14">
+  <mc:AlternateContent xmlns:mc="http://schemas.openxmlformats.org/markup-compatibility/2006" xmlns:p14="http://schemas.microsoft.com/office/powerpoint/2010/main">
+    <mc:Choice Requires="p14">
       <p:transition spd="slow" p14:dur="2000"/>
     </mc:Choice>
-    <mc:Fallback>
+    <mc:Fallback xmlns="">
       <p:transition xmlns:p14="http://schemas.microsoft.com/office/powerpoint/2010/main" spd="slow"/>
     </mc:Fallback>
   </mc:AlternateContent>
   <p:timing>
     <p:tnLst>
       <p:par>
-        <p:cTn xmlns:p14="http://schemas.microsoft.com/office/powerpoint/2010/main" id="1" dur="indefinite" restart="never" nodeType="tmRoot"/>
+        <p:cTn id="1" dur="indefinite" restart="never" nodeType="tmRoot"/>
       </p:par>
     </p:tnLst>
   </p:timing>
@@ -10007,18 +9979,18 @@
   <p:clrMapOvr>
     <a:masterClrMapping/>
   </p:clrMapOvr>
-  <mc:AlternateContent xmlns:mc="http://schemas.openxmlformats.org/markup-compatibility/2006">
-    <mc:Choice xmlns:p14="http://schemas.microsoft.com/office/powerpoint/2010/main" Requires="p14">
+  <mc:AlternateContent xmlns:mc="http://schemas.openxmlformats.org/markup-compatibility/2006" xmlns:p14="http://schemas.microsoft.com/office/powerpoint/2010/main">
+    <mc:Choice Requires="p14">
       <p:transition spd="slow" p14:dur="2000"/>
     </mc:Choice>
-    <mc:Fallback>
+    <mc:Fallback xmlns="">
       <p:transition xmlns:p14="http://schemas.microsoft.com/office/powerpoint/2010/main" spd="slow"/>
     </mc:Fallback>
   </mc:AlternateContent>
   <p:timing>
     <p:tnLst>
       <p:par>
-        <p:cTn xmlns:p14="http://schemas.microsoft.com/office/powerpoint/2010/main" id="1" dur="indefinite" restart="never" nodeType="tmRoot"/>
+        <p:cTn id="1" dur="indefinite" restart="never" nodeType="tmRoot"/>
       </p:par>
     </p:tnLst>
   </p:timing>
@@ -10108,7 +10080,7 @@
   <p:timing>
     <p:tnLst>
       <p:par>
-        <p:cTn xmlns:p14="http://schemas.microsoft.com/office/powerpoint/2010/main" id="1" dur="indefinite" restart="never" nodeType="tmRoot"/>
+        <p:cTn id="1" dur="indefinite" restart="never" nodeType="tmRoot"/>
       </p:par>
     </p:tnLst>
   </p:timing>
@@ -10198,7 +10170,7 @@
   <p:timing>
     <p:tnLst>
       <p:par>
-        <p:cTn xmlns:p14="http://schemas.microsoft.com/office/powerpoint/2010/main" id="1" dur="indefinite" restart="never" nodeType="tmRoot"/>
+        <p:cTn id="1" dur="indefinite" restart="never" nodeType="tmRoot"/>
       </p:par>
     </p:tnLst>
   </p:timing>
@@ -10288,7 +10260,7 @@
   <p:timing>
     <p:tnLst>
       <p:par>
-        <p:cTn xmlns:p14="http://schemas.microsoft.com/office/powerpoint/2010/main" id="1" dur="indefinite" restart="never" nodeType="tmRoot"/>
+        <p:cTn id="1" dur="indefinite" restart="never" nodeType="tmRoot"/>
       </p:par>
     </p:tnLst>
   </p:timing>
@@ -10383,7 +10355,7 @@
   <p:timing>
     <p:tnLst>
       <p:par>
-        <p:cTn xmlns:p14="http://schemas.microsoft.com/office/powerpoint/2010/main" id="1" dur="indefinite" restart="never" nodeType="tmRoot"/>
+        <p:cTn id="1" dur="indefinite" restart="never" nodeType="tmRoot"/>
       </p:par>
     </p:tnLst>
   </p:timing>
@@ -10471,7 +10443,7 @@
   <p:timing>
     <p:tnLst>
       <p:par>
-        <p:cTn xmlns:p14="http://schemas.microsoft.com/office/powerpoint/2010/main" id="1" dur="indefinite" restart="never" nodeType="tmRoot"/>
+        <p:cTn id="1" dur="indefinite" restart="never" nodeType="tmRoot"/>
       </p:par>
     </p:tnLst>
   </p:timing>
@@ -10561,7 +10533,7 @@
   <p:timing>
     <p:tnLst>
       <p:par>
-        <p:cTn xmlns:p14="http://schemas.microsoft.com/office/powerpoint/2010/main" id="1" dur="indefinite" restart="never" nodeType="tmRoot"/>
+        <p:cTn id="1" dur="indefinite" restart="never" nodeType="tmRoot"/>
       </p:par>
     </p:tnLst>
   </p:timing>
